--- a/asvsp/seminarski/ASVSP - ELK Stack - Seminarski.pptx
+++ b/asvsp/seminarski/ASVSP - ELK Stack - Seminarski.pptx
@@ -25659,13 +25659,13 @@
   <p:clrMapOvr>
     <a:masterClrMapping/>
   </p:clrMapOvr>
-  <mc:AlternateContent xmlns:mc="http://schemas.openxmlformats.org/markup-compatibility/2006">
-    <mc:Choice xmlns:p14="http://schemas.microsoft.com/office/powerpoint/2010/main" Requires="p14">
+  <mc:AlternateContent xmlns:mc="http://schemas.openxmlformats.org/markup-compatibility/2006" xmlns:p14="http://schemas.microsoft.com/office/powerpoint/2010/main">
+    <mc:Choice Requires="p14">
       <p:transition spd="slow">
         <p14:reveal/>
       </p:transition>
     </mc:Choice>
-    <mc:Fallback>
+    <mc:Fallback xmlns="">
       <p:transition spd="slow">
         <p:fade/>
       </p:transition>
@@ -27915,7 +27915,7 @@
         </p:nvSpPr>
         <p:spPr>
           <a:xfrm>
-            <a:off x="340655" y="4706237"/>
+            <a:off x="340655" y="4029129"/>
             <a:ext cx="11510688" cy="2462213"/>
           </a:xfrm>
           <a:prstGeom prst="rect">
@@ -28138,7 +28138,7 @@
         <p:spPr>
           <a:xfrm>
             <a:off x="340655" y="2912168"/>
-            <a:ext cx="10820403" cy="1785104"/>
+            <a:ext cx="10820403" cy="1107996"/>
           </a:xfrm>
           <a:prstGeom prst="rect">
             <a:avLst/>
@@ -28199,26 +28199,6 @@
                 <a:cs typeface="Times New Roman" panose="02020603050405020304" pitchFamily="18" charset="0"/>
               </a:rPr>
               <a:t>objedinjavanja podataka iz različitih izvora, njihova integracija, normalizacija i na kraju dostavljanje podataka na unapred definisana odredišta.</a:t>
-            </a:r>
-          </a:p>
-          <a:p>
-            <a:pPr marL="342900" indent="-342900">
-              <a:buClr>
-                <a:srgbClr val="47C3D3"/>
-              </a:buClr>
-              <a:buFont typeface="Arial" panose="020B0604020202020204" pitchFamily="34" charset="0"/>
-              <a:buChar char="•"/>
-            </a:pPr>
-            <a:r>
-              <a:rPr lang="sr-Latn-RS" sz="2200" dirty="0">
-                <a:solidFill>
-                  <a:schemeClr val="bg1"/>
-                </a:solidFill>
-                <a:effectLst/>
-                <a:ea typeface="Calibri" panose="020F0502020204030204" pitchFamily="34" charset="0"/>
-                <a:cs typeface="Times New Roman" panose="02020603050405020304" pitchFamily="18" charset="0"/>
-              </a:rPr>
-              <a:t>Mogućnost prečišćavanja podataka za različite slučajeve upotrebe, naprednu analizu ili vizuelizaciju.</a:t>
             </a:r>
           </a:p>
         </p:txBody>
